--- a/Non-Coding-Region/SE_project 7조 발표용.pptx
+++ b/Non-Coding-Region/SE_project 7조 발표용.pptx
@@ -332,7 +332,7 @@
             <a:fld id="{1D8BD707-D9CF-40AE-B4C6-C98DA3205C09}" type="datetimeFigureOut">
               <a:rPr lang="en-US" smtClean="0"/>
               <a:pPr/>
-              <a:t>6/1/2024</a:t>
+              <a:t>6/1/24</a:t>
             </a:fld>
             <a:endParaRPr lang="en-US"/>
           </a:p>
@@ -497,7 +497,7 @@
             <a:fld id="{1D8BD707-D9CF-40AE-B4C6-C98DA3205C09}" type="datetimeFigureOut">
               <a:rPr lang="en-US" smtClean="0"/>
               <a:pPr/>
-              <a:t>6/1/2024</a:t>
+              <a:t>6/1/24</a:t>
             </a:fld>
             <a:endParaRPr lang="en-US"/>
           </a:p>
@@ -672,7 +672,7 @@
             <a:fld id="{1D8BD707-D9CF-40AE-B4C6-C98DA3205C09}" type="datetimeFigureOut">
               <a:rPr lang="en-US" smtClean="0"/>
               <a:pPr/>
-              <a:t>6/1/2024</a:t>
+              <a:t>6/1/24</a:t>
             </a:fld>
             <a:endParaRPr lang="en-US"/>
           </a:p>
@@ -837,7 +837,7 @@
             <a:fld id="{1D8BD707-D9CF-40AE-B4C6-C98DA3205C09}" type="datetimeFigureOut">
               <a:rPr lang="en-US" smtClean="0"/>
               <a:pPr/>
-              <a:t>6/1/2024</a:t>
+              <a:t>6/1/24</a:t>
             </a:fld>
             <a:endParaRPr lang="en-US"/>
           </a:p>
@@ -1079,7 +1079,7 @@
             <a:fld id="{1D8BD707-D9CF-40AE-B4C6-C98DA3205C09}" type="datetimeFigureOut">
               <a:rPr lang="en-US" smtClean="0"/>
               <a:pPr/>
-              <a:t>6/1/2024</a:t>
+              <a:t>6/1/24</a:t>
             </a:fld>
             <a:endParaRPr lang="en-US"/>
           </a:p>
@@ -1361,7 +1361,7 @@
             <a:fld id="{1D8BD707-D9CF-40AE-B4C6-C98DA3205C09}" type="datetimeFigureOut">
               <a:rPr lang="en-US" smtClean="0"/>
               <a:pPr/>
-              <a:t>6/1/2024</a:t>
+              <a:t>6/1/24</a:t>
             </a:fld>
             <a:endParaRPr lang="en-US"/>
           </a:p>
@@ -1777,7 +1777,7 @@
             <a:fld id="{1D8BD707-D9CF-40AE-B4C6-C98DA3205C09}" type="datetimeFigureOut">
               <a:rPr lang="en-US" smtClean="0"/>
               <a:pPr/>
-              <a:t>6/1/2024</a:t>
+              <a:t>6/1/24</a:t>
             </a:fld>
             <a:endParaRPr lang="en-US"/>
           </a:p>
@@ -1891,7 +1891,7 @@
             <a:fld id="{1D8BD707-D9CF-40AE-B4C6-C98DA3205C09}" type="datetimeFigureOut">
               <a:rPr lang="en-US" smtClean="0"/>
               <a:pPr/>
-              <a:t>6/1/2024</a:t>
+              <a:t>6/1/24</a:t>
             </a:fld>
             <a:endParaRPr lang="en-US"/>
           </a:p>
@@ -1983,7 +1983,7 @@
             <a:fld id="{1D8BD707-D9CF-40AE-B4C6-C98DA3205C09}" type="datetimeFigureOut">
               <a:rPr lang="en-US" smtClean="0"/>
               <a:pPr/>
-              <a:t>6/1/2024</a:t>
+              <a:t>6/1/24</a:t>
             </a:fld>
             <a:endParaRPr lang="en-US"/>
           </a:p>
@@ -2255,7 +2255,7 @@
             <a:fld id="{1D8BD707-D9CF-40AE-B4C6-C98DA3205C09}" type="datetimeFigureOut">
               <a:rPr lang="en-US" smtClean="0"/>
               <a:pPr/>
-              <a:t>6/1/2024</a:t>
+              <a:t>6/1/24</a:t>
             </a:fld>
             <a:endParaRPr lang="en-US"/>
           </a:p>
@@ -2504,7 +2504,7 @@
             <a:fld id="{1D8BD707-D9CF-40AE-B4C6-C98DA3205C09}" type="datetimeFigureOut">
               <a:rPr lang="en-US" smtClean="0"/>
               <a:pPr/>
-              <a:t>6/1/2024</a:t>
+              <a:t>6/1/24</a:t>
             </a:fld>
             <a:endParaRPr lang="en-US"/>
           </a:p>
@@ -2712,7 +2712,7 @@
             <a:fld id="{1D8BD707-D9CF-40AE-B4C6-C98DA3205C09}" type="datetimeFigureOut">
               <a:rPr lang="en-US" smtClean="0"/>
               <a:pPr/>
-              <a:t>6/1/2024</a:t>
+              <a:t>6/1/24</a:t>
             </a:fld>
             <a:endParaRPr lang="en-US"/>
           </a:p>
@@ -11094,7 +11094,7 @@
       </p:grpSp>
       <p:pic>
         <p:nvPicPr>
-          <p:cNvPr id="8" name="Picture 8"/>
+          <p:cNvPr id="9" name="Picture 9"/>
           <p:cNvPicPr>
             <a:picLocks noChangeAspect="1"/>
           </p:cNvPicPr>
@@ -11102,30 +11102,6 @@
         </p:nvPicPr>
         <p:blipFill>
           <a:blip r:embed="rId5"/>
-          <a:stretch>
-            <a:fillRect/>
-          </a:stretch>
-        </p:blipFill>
-        <p:spPr>
-          <a:xfrm>
-            <a:off x="4483100" y="2247900"/>
-            <a:ext cx="8534400" cy="8051800"/>
-          </a:xfrm>
-          <a:prstGeom prst="rect">
-            <a:avLst/>
-          </a:prstGeom>
-        </p:spPr>
-      </p:pic>
-      <p:pic>
-        <p:nvPicPr>
-          <p:cNvPr id="9" name="Picture 9"/>
-          <p:cNvPicPr>
-            <a:picLocks noChangeAspect="1"/>
-          </p:cNvPicPr>
-          <p:nvPr/>
-        </p:nvPicPr>
-        <p:blipFill>
-          <a:blip r:embed="rId6"/>
           <a:stretch>
             <a:fillRect/>
           </a:stretch>
@@ -11149,7 +11125,7 @@
           <p:nvPr/>
         </p:nvPicPr>
         <p:blipFill>
-          <a:blip r:embed="rId7"/>
+          <a:blip r:embed="rId6"/>
           <a:stretch>
             <a:fillRect/>
           </a:stretch>
@@ -11158,6 +11134,42 @@
           <a:xfrm>
             <a:off x="685800" y="-101600"/>
             <a:ext cx="2349500" cy="3111500"/>
+          </a:xfrm>
+          <a:prstGeom prst="rect">
+            <a:avLst/>
+          </a:prstGeom>
+        </p:spPr>
+      </p:pic>
+      <p:pic>
+        <p:nvPicPr>
+          <p:cNvPr id="12" name="그림 11" descr="도표, 텍스트, 라인, 그림이(가) 표시된 사진&#10;&#10;자동 생성된 설명">
+            <a:extLst>
+              <a:ext uri="{FF2B5EF4-FFF2-40B4-BE49-F238E27FC236}">
+                <a16:creationId xmlns:a16="http://schemas.microsoft.com/office/drawing/2014/main" id="{D88DD8CD-EEC0-FA94-E587-D3FF55EE6BEB}"/>
+              </a:ext>
+            </a:extLst>
+          </p:cNvPr>
+          <p:cNvPicPr>
+            <a:picLocks noChangeAspect="1"/>
+          </p:cNvPicPr>
+          <p:nvPr/>
+        </p:nvPicPr>
+        <p:blipFill>
+          <a:blip r:embed="rId7">
+            <a:extLst>
+              <a:ext uri="{28A0092B-C50C-407E-A947-70E740481C1C}">
+                <a14:useLocalDpi xmlns:a14="http://schemas.microsoft.com/office/drawing/2010/main" val="0"/>
+              </a:ext>
+            </a:extLst>
+          </a:blip>
+          <a:stretch>
+            <a:fillRect/>
+          </a:stretch>
+        </p:blipFill>
+        <p:spPr>
+          <a:xfrm>
+            <a:off x="5446038" y="2237728"/>
+            <a:ext cx="7571462" cy="8049272"/>
           </a:xfrm>
           <a:prstGeom prst="rect">
             <a:avLst/>

--- a/Non-Coding-Region/SE_project 7조 발표용.pptx
+++ b/Non-Coding-Region/SE_project 7조 발표용.pptx
@@ -332,7 +332,7 @@
             <a:fld id="{1D8BD707-D9CF-40AE-B4C6-C98DA3205C09}" type="datetimeFigureOut">
               <a:rPr lang="en-US" smtClean="0"/>
               <a:pPr/>
-              <a:t>6/1/24</a:t>
+              <a:t>6/2/24</a:t>
             </a:fld>
             <a:endParaRPr lang="en-US"/>
           </a:p>
@@ -497,7 +497,7 @@
             <a:fld id="{1D8BD707-D9CF-40AE-B4C6-C98DA3205C09}" type="datetimeFigureOut">
               <a:rPr lang="en-US" smtClean="0"/>
               <a:pPr/>
-              <a:t>6/1/24</a:t>
+              <a:t>6/2/24</a:t>
             </a:fld>
             <a:endParaRPr lang="en-US"/>
           </a:p>
@@ -672,7 +672,7 @@
             <a:fld id="{1D8BD707-D9CF-40AE-B4C6-C98DA3205C09}" type="datetimeFigureOut">
               <a:rPr lang="en-US" smtClean="0"/>
               <a:pPr/>
-              <a:t>6/1/24</a:t>
+              <a:t>6/2/24</a:t>
             </a:fld>
             <a:endParaRPr lang="en-US"/>
           </a:p>
@@ -837,7 +837,7 @@
             <a:fld id="{1D8BD707-D9CF-40AE-B4C6-C98DA3205C09}" type="datetimeFigureOut">
               <a:rPr lang="en-US" smtClean="0"/>
               <a:pPr/>
-              <a:t>6/1/24</a:t>
+              <a:t>6/2/24</a:t>
             </a:fld>
             <a:endParaRPr lang="en-US"/>
           </a:p>
@@ -1079,7 +1079,7 @@
             <a:fld id="{1D8BD707-D9CF-40AE-B4C6-C98DA3205C09}" type="datetimeFigureOut">
               <a:rPr lang="en-US" smtClean="0"/>
               <a:pPr/>
-              <a:t>6/1/24</a:t>
+              <a:t>6/2/24</a:t>
             </a:fld>
             <a:endParaRPr lang="en-US"/>
           </a:p>
@@ -1361,7 +1361,7 @@
             <a:fld id="{1D8BD707-D9CF-40AE-B4C6-C98DA3205C09}" type="datetimeFigureOut">
               <a:rPr lang="en-US" smtClean="0"/>
               <a:pPr/>
-              <a:t>6/1/24</a:t>
+              <a:t>6/2/24</a:t>
             </a:fld>
             <a:endParaRPr lang="en-US"/>
           </a:p>
@@ -1777,7 +1777,7 @@
             <a:fld id="{1D8BD707-D9CF-40AE-B4C6-C98DA3205C09}" type="datetimeFigureOut">
               <a:rPr lang="en-US" smtClean="0"/>
               <a:pPr/>
-              <a:t>6/1/24</a:t>
+              <a:t>6/2/24</a:t>
             </a:fld>
             <a:endParaRPr lang="en-US"/>
           </a:p>
@@ -1891,7 +1891,7 @@
             <a:fld id="{1D8BD707-D9CF-40AE-B4C6-C98DA3205C09}" type="datetimeFigureOut">
               <a:rPr lang="en-US" smtClean="0"/>
               <a:pPr/>
-              <a:t>6/1/24</a:t>
+              <a:t>6/2/24</a:t>
             </a:fld>
             <a:endParaRPr lang="en-US"/>
           </a:p>
@@ -1983,7 +1983,7 @@
             <a:fld id="{1D8BD707-D9CF-40AE-B4C6-C98DA3205C09}" type="datetimeFigureOut">
               <a:rPr lang="en-US" smtClean="0"/>
               <a:pPr/>
-              <a:t>6/1/24</a:t>
+              <a:t>6/2/24</a:t>
             </a:fld>
             <a:endParaRPr lang="en-US"/>
           </a:p>
@@ -2255,7 +2255,7 @@
             <a:fld id="{1D8BD707-D9CF-40AE-B4C6-C98DA3205C09}" type="datetimeFigureOut">
               <a:rPr lang="en-US" smtClean="0"/>
               <a:pPr/>
-              <a:t>6/1/24</a:t>
+              <a:t>6/2/24</a:t>
             </a:fld>
             <a:endParaRPr lang="en-US"/>
           </a:p>
@@ -2504,7 +2504,7 @@
             <a:fld id="{1D8BD707-D9CF-40AE-B4C6-C98DA3205C09}" type="datetimeFigureOut">
               <a:rPr lang="en-US" smtClean="0"/>
               <a:pPr/>
-              <a:t>6/1/24</a:t>
+              <a:t>6/2/24</a:t>
             </a:fld>
             <a:endParaRPr lang="en-US"/>
           </a:p>
@@ -2712,7 +2712,7 @@
             <a:fld id="{1D8BD707-D9CF-40AE-B4C6-C98DA3205C09}" type="datetimeFigureOut">
               <a:rPr lang="en-US" smtClean="0"/>
               <a:pPr/>
-              <a:t>6/1/24</a:t>
+              <a:t>6/2/24</a:t>
             </a:fld>
             <a:endParaRPr lang="en-US"/>
           </a:p>
@@ -11142,10 +11142,10 @@
       </p:pic>
       <p:pic>
         <p:nvPicPr>
-          <p:cNvPr id="12" name="그림 11" descr="도표, 텍스트, 라인, 그림이(가) 표시된 사진&#10;&#10;자동 생성된 설명">
+          <p:cNvPr id="11" name="그림 10" descr="도표, 텍스트, 라인, 그림이(가) 표시된 사진&#10;&#10;자동 생성된 설명">
             <a:extLst>
               <a:ext uri="{FF2B5EF4-FFF2-40B4-BE49-F238E27FC236}">
-                <a16:creationId xmlns:a16="http://schemas.microsoft.com/office/drawing/2014/main" id="{D88DD8CD-EEC0-FA94-E587-D3FF55EE6BEB}"/>
+                <a16:creationId xmlns:a16="http://schemas.microsoft.com/office/drawing/2014/main" id="{DEC4B5D8-8145-DB6D-8C52-2B655956AD8D}"/>
               </a:ext>
             </a:extLst>
           </p:cNvPr>
@@ -11168,8 +11168,8 @@
         </p:blipFill>
         <p:spPr>
           <a:xfrm>
-            <a:off x="5446038" y="2237728"/>
-            <a:ext cx="7571462" cy="8049272"/>
+            <a:off x="5103593" y="2241550"/>
+            <a:ext cx="7506844" cy="8045450"/>
           </a:xfrm>
           <a:prstGeom prst="rect">
             <a:avLst/>
